--- a/最終発表/最終発表（納期）.pptx
+++ b/最終発表/最終発表（納期）.pptx
@@ -5,11 +5,11 @@
     <p:sldMasterId id="2147483648" r:id="rId1"/>
   </p:sldMasterIdLst>
   <p:sldIdLst>
-    <p:sldId id="256" r:id="rId2"/>
-    <p:sldId id="257" r:id="rId3"/>
-    <p:sldId id="258" r:id="rId4"/>
-    <p:sldId id="259" r:id="rId5"/>
-    <p:sldId id="260" r:id="rId6"/>
+    <p:sldId id="258" r:id="rId2"/>
+    <p:sldId id="259" r:id="rId3"/>
+    <p:sldId id="260" r:id="rId4"/>
+    <p:sldId id="261" r:id="rId5"/>
+    <p:sldId id="262" r:id="rId6"/>
   </p:sldIdLst>
   <p:sldSz cx="12192000" cy="6858000"/>
   <p:notesSz cx="6858000" cy="9144000"/>
@@ -3268,57 +3268,282 @@
             <a:spLocks noGrp="1"/>
           </p:cNvSpPr>
           <p:nvPr>
-            <p:ph type="ctrTitle"/>
-          </p:nvPr>
-        </p:nvSpPr>
-        <p:spPr/>
-        <p:txBody>
-          <a:bodyPr/>
-          <a:lstStyle/>
-          <a:p>
+            <p:ph type="title"/>
+          </p:nvPr>
+        </p:nvSpPr>
+        <p:spPr>
+          <a:xfrm>
+            <a:off x="838200" y="373363"/>
+            <a:ext cx="10515600" cy="1325563"/>
+          </a:xfrm>
+        </p:spPr>
+        <p:txBody>
+          <a:bodyPr>
+            <a:normAutofit/>
+          </a:bodyPr>
+          <a:lstStyle/>
+          <a:p>
+            <a:r>
+              <a:rPr lang="ja-JP" altLang="en-US" dirty="0"/>
+              <a:t>ＱＣ</a:t>
+            </a:r>
+            <a:r>
+              <a:rPr lang="ja-JP" altLang="en-US" dirty="0">
+                <a:solidFill>
+                  <a:srgbClr val="00B0F0"/>
+                </a:solidFill>
+              </a:rPr>
+              <a:t>Ｄ</a:t>
+            </a:r>
             <a:r>
               <a:rPr kumimoji="1" lang="ja-JP" altLang="en-US" dirty="0" smtClean="0"/>
-              <a:t>最終発表</a:t>
-            </a:r>
+              <a:t>評価</a:t>
+            </a:r>
+            <a:r>
+              <a:rPr kumimoji="1" lang="en-US" altLang="ja-JP" dirty="0" smtClean="0"/>
+              <a:t/>
+            </a:r>
+            <a:br>
+              <a:rPr kumimoji="1" lang="en-US" altLang="ja-JP" dirty="0" smtClean="0"/>
+            </a:br>
+            <a:r>
+              <a:rPr lang="en-US" altLang="ja-JP" sz="3200" dirty="0">
+                <a:solidFill>
+                  <a:srgbClr val="00B0F0"/>
+                </a:solidFill>
+              </a:rPr>
+              <a:t>Delivery</a:t>
+            </a:r>
+            <a:r>
+              <a:rPr lang="en-US" altLang="ja-JP" sz="3200" dirty="0" smtClean="0">
+                <a:solidFill>
+                  <a:srgbClr val="00B0F0"/>
+                </a:solidFill>
+              </a:rPr>
+              <a:t> assessment</a:t>
+            </a:r>
+            <a:endParaRPr kumimoji="1" lang="ja-JP" altLang="en-US" sz="3200" dirty="0"/>
+          </a:p>
+        </p:txBody>
+      </p:sp>
+      <p:sp>
+        <p:nvSpPr>
+          <p:cNvPr id="4" name="角丸四角形 3"/>
+          <p:cNvSpPr/>
+          <p:nvPr/>
+        </p:nvSpPr>
+        <p:spPr>
+          <a:xfrm>
+            <a:off x="1851454" y="1779372"/>
+            <a:ext cx="8454081" cy="1293341"/>
+          </a:xfrm>
+          <a:prstGeom prst="roundRect">
+            <a:avLst/>
+          </a:prstGeom>
+        </p:spPr>
+        <p:style>
+          <a:lnRef idx="2">
+            <a:schemeClr val="accent1"/>
+          </a:lnRef>
+          <a:fillRef idx="1">
+            <a:schemeClr val="lt1"/>
+          </a:fillRef>
+          <a:effectRef idx="0">
+            <a:schemeClr val="accent1"/>
+          </a:effectRef>
+          <a:fontRef idx="minor">
+            <a:schemeClr val="dk1"/>
+          </a:fontRef>
+        </p:style>
+        <p:txBody>
+          <a:bodyPr rtlCol="0" anchor="ctr"/>
+          <a:lstStyle/>
+          <a:p>
+            <a:pPr algn="ctr"/>
+            <a:r>
+              <a:rPr lang="ja-JP" altLang="en-US" sz="2800" dirty="0" smtClean="0"/>
+              <a:t>納期</a:t>
+            </a:r>
+            <a:r>
+              <a:rPr lang="ja-JP" altLang="ja-JP" sz="2800" dirty="0" smtClean="0"/>
+              <a:t>目標</a:t>
+            </a:r>
+            <a:r>
+              <a:rPr lang="ja-JP" altLang="en-US" sz="2800" dirty="0" smtClean="0"/>
+              <a:t>：</a:t>
+            </a:r>
+            <a:r>
+              <a:rPr lang="ja-JP" altLang="en-US" sz="2800" dirty="0" smtClean="0"/>
+              <a:t>７</a:t>
+            </a:r>
+            <a:r>
+              <a:rPr lang="ja-JP" altLang="en-US" sz="2800" dirty="0" smtClean="0"/>
+              <a:t>月</a:t>
+            </a:r>
+            <a:r>
+              <a:rPr lang="ja-JP" altLang="en-US" sz="2800" dirty="0" smtClean="0"/>
+              <a:t>１</a:t>
+            </a:r>
+            <a:r>
+              <a:rPr lang="ja-JP" altLang="en-US" sz="2800" dirty="0"/>
+              <a:t>７</a:t>
+            </a:r>
+            <a:r>
+              <a:rPr lang="ja-JP" altLang="en-US" sz="2800" dirty="0" smtClean="0"/>
+              <a:t>日</a:t>
+            </a:r>
+            <a:endParaRPr lang="en-US" altLang="ja-JP" sz="2800" dirty="0" smtClean="0"/>
+          </a:p>
+        </p:txBody>
+      </p:sp>
+      <p:sp>
+        <p:nvSpPr>
+          <p:cNvPr id="5" name="角丸四角形 4"/>
+          <p:cNvSpPr/>
+          <p:nvPr/>
+        </p:nvSpPr>
+        <p:spPr>
+          <a:xfrm>
+            <a:off x="1851453" y="4440194"/>
+            <a:ext cx="8454082" cy="1293341"/>
+          </a:xfrm>
+          <a:prstGeom prst="roundRect">
+            <a:avLst/>
+          </a:prstGeom>
+        </p:spPr>
+        <p:style>
+          <a:lnRef idx="2">
+            <a:schemeClr val="accent2"/>
+          </a:lnRef>
+          <a:fillRef idx="1">
+            <a:schemeClr val="lt1"/>
+          </a:fillRef>
+          <a:effectRef idx="0">
+            <a:schemeClr val="accent2"/>
+          </a:effectRef>
+          <a:fontRef idx="minor">
+            <a:schemeClr val="dk1"/>
+          </a:fontRef>
+        </p:style>
+        <p:txBody>
+          <a:bodyPr rtlCol="0" anchor="ctr"/>
+          <a:lstStyle/>
+          <a:p>
+            <a:pPr algn="ctr"/>
+            <a:r>
+              <a:rPr lang="ja-JP" altLang="en-US" sz="2800" dirty="0" smtClean="0"/>
+              <a:t>７</a:t>
+            </a:r>
+            <a:r>
+              <a:rPr lang="ja-JP" altLang="en-US" sz="2800" dirty="0" smtClean="0"/>
+              <a:t>月</a:t>
+            </a:r>
+            <a:r>
+              <a:rPr lang="ja-JP" altLang="en-US" sz="2800" dirty="0" smtClean="0"/>
+              <a:t>１</a:t>
+            </a:r>
+            <a:r>
+              <a:rPr lang="ja-JP" altLang="en-US" sz="2800" dirty="0"/>
+              <a:t>７</a:t>
+            </a:r>
+            <a:r>
+              <a:rPr lang="ja-JP" altLang="en-US" sz="2800" dirty="0" smtClean="0"/>
+              <a:t>日</a:t>
+            </a:r>
+            <a:r>
+              <a:rPr lang="ja-JP" altLang="en-US" sz="2800" dirty="0" smtClean="0"/>
+              <a:t>の納品に</a:t>
+            </a:r>
+            <a:r>
+              <a:rPr lang="ja-JP" altLang="ja-JP" sz="2800" dirty="0" smtClean="0"/>
+              <a:t>成功した</a:t>
+            </a:r>
+            <a:endParaRPr kumimoji="1" lang="ja-JP" altLang="en-US" sz="2800" dirty="0"/>
+          </a:p>
+        </p:txBody>
+      </p:sp>
+      <p:sp>
+        <p:nvSpPr>
+          <p:cNvPr id="6" name="下矢印 5"/>
+          <p:cNvSpPr/>
+          <p:nvPr/>
+        </p:nvSpPr>
+        <p:spPr>
+          <a:xfrm>
+            <a:off x="5567748" y="3146854"/>
+            <a:ext cx="1021492" cy="1194487"/>
+          </a:xfrm>
+          <a:prstGeom prst="downArrow">
+            <a:avLst/>
+          </a:prstGeom>
+        </p:spPr>
+        <p:style>
+          <a:lnRef idx="2">
+            <a:schemeClr val="accent1">
+              <a:shade val="50000"/>
+            </a:schemeClr>
+          </a:lnRef>
+          <a:fillRef idx="1">
+            <a:schemeClr val="accent1"/>
+          </a:fillRef>
+          <a:effectRef idx="0">
+            <a:schemeClr val="accent1"/>
+          </a:effectRef>
+          <a:fontRef idx="minor">
+            <a:schemeClr val="lt1"/>
+          </a:fontRef>
+        </p:style>
+        <p:txBody>
+          <a:bodyPr rtlCol="0" anchor="ctr"/>
+          <a:lstStyle/>
+          <a:p>
+            <a:pPr algn="ctr"/>
             <a:endParaRPr kumimoji="1" lang="ja-JP" altLang="en-US" dirty="0"/>
           </a:p>
         </p:txBody>
       </p:sp>
       <p:sp>
         <p:nvSpPr>
-          <p:cNvPr id="3" name="サブタイトル 2"/>
-          <p:cNvSpPr>
-            <a:spLocks noGrp="1"/>
-          </p:cNvSpPr>
-          <p:nvPr>
-            <p:ph type="subTitle" idx="1"/>
-          </p:nvPr>
-        </p:nvSpPr>
-        <p:spPr/>
-        <p:txBody>
-          <a:bodyPr/>
-          <a:lstStyle/>
-          <a:p>
-            <a:r>
-              <a:rPr kumimoji="1" lang="ja-JP" altLang="en-US" dirty="0" smtClean="0"/>
-              <a:t>矢吹研究室</a:t>
-            </a:r>
-            <a:r>
-              <a:rPr kumimoji="1" lang="en-US" altLang="ja-JP" dirty="0" smtClean="0"/>
-              <a:t>C</a:t>
-            </a:r>
-            <a:r>
-              <a:rPr kumimoji="1" lang="ja-JP" altLang="en-US" dirty="0" smtClean="0"/>
-              <a:t>班</a:t>
-            </a:r>
-            <a:endParaRPr kumimoji="1" lang="ja-JP" altLang="en-US" dirty="0"/>
+          <p:cNvPr id="7" name="テキスト ボックス 6"/>
+          <p:cNvSpPr txBox="1"/>
+          <p:nvPr/>
+        </p:nvSpPr>
+        <p:spPr>
+          <a:xfrm>
+            <a:off x="5769847" y="3768465"/>
+            <a:ext cx="741406" cy="369332"/>
+          </a:xfrm>
+          <a:prstGeom prst="rect">
+            <a:avLst/>
+          </a:prstGeom>
+          <a:noFill/>
+        </p:spPr>
+        <p:txBody>
+          <a:bodyPr wrap="square" rtlCol="0">
+            <a:spAutoFit/>
+          </a:bodyPr>
+          <a:lstStyle/>
+          <a:p>
+            <a:r>
+              <a:rPr lang="ja-JP" altLang="en-US" dirty="0">
+                <a:solidFill>
+                  <a:schemeClr val="bg1"/>
+                </a:solidFill>
+              </a:rPr>
+              <a:t>結果</a:t>
+            </a:r>
+            <a:endParaRPr kumimoji="1" lang="ja-JP" altLang="en-US" dirty="0">
+              <a:solidFill>
+                <a:schemeClr val="bg1"/>
+              </a:solidFill>
+            </a:endParaRPr>
           </a:p>
         </p:txBody>
       </p:sp>
     </p:spTree>
     <p:extLst>
       <p:ext uri="{BB962C8B-B14F-4D97-AF65-F5344CB8AC3E}">
-        <p14:creationId xmlns:p14="http://schemas.microsoft.com/office/powerpoint/2010/main" val="2060032473"/>
+        <p14:creationId xmlns:p14="http://schemas.microsoft.com/office/powerpoint/2010/main" val="2053477789"/>
       </p:ext>
     </p:extLst>
   </p:cSld>
@@ -3347,436 +3572,6 @@
       </p:grpSpPr>
       <p:sp>
         <p:nvSpPr>
-          <p:cNvPr id="2" name="タイトル 1"/>
-          <p:cNvSpPr>
-            <a:spLocks noGrp="1"/>
-          </p:cNvSpPr>
-          <p:nvPr>
-            <p:ph type="title"/>
-          </p:nvPr>
-        </p:nvSpPr>
-        <p:spPr/>
-        <p:txBody>
-          <a:bodyPr/>
-          <a:lstStyle/>
-          <a:p>
-            <a:r>
-              <a:rPr kumimoji="1" lang="ja-JP" altLang="en-US" dirty="0" smtClean="0"/>
-              <a:t>中間発表からの改善点</a:t>
-            </a:r>
-            <a:endParaRPr kumimoji="1" lang="ja-JP" altLang="en-US" dirty="0"/>
-          </a:p>
-        </p:txBody>
-      </p:sp>
-      <p:sp>
-        <p:nvSpPr>
-          <p:cNvPr id="3" name="コンテンツ プレースホルダー 2"/>
-          <p:cNvSpPr>
-            <a:spLocks noGrp="1"/>
-          </p:cNvSpPr>
-          <p:nvPr>
-            <p:ph idx="1"/>
-          </p:nvPr>
-        </p:nvSpPr>
-        <p:spPr/>
-        <p:txBody>
-          <a:bodyPr/>
-          <a:lstStyle/>
-          <a:p>
-            <a:r>
-              <a:rPr lang="ja-JP" altLang="en-US" dirty="0"/>
-              <a:t>スケジュールの管理不足</a:t>
-            </a:r>
-          </a:p>
-          <a:p>
-            <a:r>
-              <a:rPr lang="ja-JP" altLang="en-US" dirty="0"/>
-              <a:t>→あらかじめメンバーのスケジュールを確認しておく</a:t>
-            </a:r>
-          </a:p>
-          <a:p>
-            <a:endParaRPr lang="ja-JP" altLang="en-US" dirty="0"/>
-          </a:p>
-          <a:p>
-            <a:r>
-              <a:rPr lang="ja-JP" altLang="en-US" dirty="0"/>
-              <a:t>進捗の確認不足</a:t>
-            </a:r>
-          </a:p>
-          <a:p>
-            <a:r>
-              <a:rPr lang="ja-JP" altLang="en-US" dirty="0"/>
-              <a:t>→毎日進捗を報告する</a:t>
-            </a:r>
-          </a:p>
-          <a:p>
-            <a:endParaRPr kumimoji="1" lang="ja-JP" altLang="en-US" dirty="0"/>
-          </a:p>
-        </p:txBody>
-      </p:sp>
-    </p:spTree>
-    <p:extLst>
-      <p:ext uri="{BB962C8B-B14F-4D97-AF65-F5344CB8AC3E}">
-        <p14:creationId xmlns:p14="http://schemas.microsoft.com/office/powerpoint/2010/main" val="1825887796"/>
-      </p:ext>
-    </p:extLst>
-  </p:cSld>
-  <p:clrMapOvr>
-    <a:masterClrMapping/>
-  </p:clrMapOvr>
-</p:sld>
-</file>
-
-<file path=ppt/slides/slide3.xml><?xml version="1.0" encoding="utf-8"?>
-<p:sld xmlns:a="http://schemas.openxmlformats.org/drawingml/2006/main" xmlns:r="http://schemas.openxmlformats.org/officeDocument/2006/relationships" xmlns:p="http://schemas.openxmlformats.org/presentationml/2006/main">
-  <p:cSld>
-    <p:spTree>
-      <p:nvGrpSpPr>
-        <p:cNvPr id="1" name=""/>
-        <p:cNvGrpSpPr/>
-        <p:nvPr/>
-      </p:nvGrpSpPr>
-      <p:grpSpPr>
-        <a:xfrm>
-          <a:off x="0" y="0"/>
-          <a:ext cx="0" cy="0"/>
-          <a:chOff x="0" y="0"/>
-          <a:chExt cx="0" cy="0"/>
-        </a:xfrm>
-      </p:grpSpPr>
-      <p:sp>
-        <p:nvSpPr>
-          <p:cNvPr id="2" name="タイトル 1"/>
-          <p:cNvSpPr>
-            <a:spLocks noGrp="1"/>
-          </p:cNvSpPr>
-          <p:nvPr>
-            <p:ph type="title"/>
-          </p:nvPr>
-        </p:nvSpPr>
-        <p:spPr>
-          <a:xfrm>
-            <a:off x="838200" y="373363"/>
-            <a:ext cx="10515600" cy="1325563"/>
-          </a:xfrm>
-        </p:spPr>
-        <p:txBody>
-          <a:bodyPr>
-            <a:normAutofit/>
-          </a:bodyPr>
-          <a:lstStyle/>
-          <a:p>
-            <a:r>
-              <a:rPr lang="ja-JP" altLang="en-US" dirty="0"/>
-              <a:t>ＱＣ</a:t>
-            </a:r>
-            <a:r>
-              <a:rPr lang="ja-JP" altLang="en-US" dirty="0">
-                <a:solidFill>
-                  <a:srgbClr val="00B0F0"/>
-                </a:solidFill>
-              </a:rPr>
-              <a:t>Ｄ</a:t>
-            </a:r>
-            <a:r>
-              <a:rPr kumimoji="1" lang="ja-JP" altLang="en-US" dirty="0" smtClean="0"/>
-              <a:t>評価</a:t>
-            </a:r>
-            <a:r>
-              <a:rPr kumimoji="1" lang="en-US" altLang="ja-JP" dirty="0" smtClean="0"/>
-              <a:t/>
-            </a:r>
-            <a:br>
-              <a:rPr kumimoji="1" lang="en-US" altLang="ja-JP" dirty="0" smtClean="0"/>
-            </a:br>
-            <a:r>
-              <a:rPr lang="en-US" altLang="ja-JP" sz="3200" dirty="0">
-                <a:solidFill>
-                  <a:srgbClr val="00B0F0"/>
-                </a:solidFill>
-              </a:rPr>
-              <a:t>Delivery</a:t>
-            </a:r>
-            <a:r>
-              <a:rPr lang="en-US" altLang="ja-JP" sz="3200" dirty="0" smtClean="0">
-                <a:solidFill>
-                  <a:srgbClr val="00B0F0"/>
-                </a:solidFill>
-              </a:rPr>
-              <a:t> </a:t>
-            </a:r>
-            <a:r>
-              <a:rPr lang="en-US" altLang="ja-JP" sz="3200" dirty="0" smtClean="0">
-                <a:solidFill>
-                  <a:srgbClr val="00B0F0"/>
-                </a:solidFill>
-              </a:rPr>
-              <a:t>assessment</a:t>
-            </a:r>
-            <a:endParaRPr kumimoji="1" lang="ja-JP" altLang="en-US" sz="3200" dirty="0"/>
-          </a:p>
-        </p:txBody>
-      </p:sp>
-      <p:sp>
-        <p:nvSpPr>
-          <p:cNvPr id="4" name="角丸四角形 3"/>
-          <p:cNvSpPr/>
-          <p:nvPr/>
-        </p:nvSpPr>
-        <p:spPr>
-          <a:xfrm>
-            <a:off x="1851454" y="1779372"/>
-            <a:ext cx="8454081" cy="1293341"/>
-          </a:xfrm>
-          <a:prstGeom prst="roundRect">
-            <a:avLst/>
-          </a:prstGeom>
-        </p:spPr>
-        <p:style>
-          <a:lnRef idx="2">
-            <a:schemeClr val="accent1"/>
-          </a:lnRef>
-          <a:fillRef idx="1">
-            <a:schemeClr val="lt1"/>
-          </a:fillRef>
-          <a:effectRef idx="0">
-            <a:schemeClr val="accent1"/>
-          </a:effectRef>
-          <a:fontRef idx="minor">
-            <a:schemeClr val="dk1"/>
-          </a:fontRef>
-        </p:style>
-        <p:txBody>
-          <a:bodyPr rtlCol="0" anchor="ctr"/>
-          <a:lstStyle/>
-          <a:p>
-            <a:pPr algn="ctr"/>
-            <a:r>
-              <a:rPr lang="ja-JP" altLang="en-US" sz="2800" dirty="0" smtClean="0"/>
-              <a:t>納期</a:t>
-            </a:r>
-            <a:r>
-              <a:rPr lang="ja-JP" altLang="ja-JP" sz="2800" dirty="0" smtClean="0"/>
-              <a:t>目標</a:t>
-            </a:r>
-            <a:r>
-              <a:rPr lang="ja-JP" altLang="en-US" sz="2800" dirty="0" smtClean="0"/>
-              <a:t>：</a:t>
-            </a:r>
-            <a:r>
-              <a:rPr lang="en-US" altLang="ja-JP" sz="2800" dirty="0" smtClean="0"/>
-              <a:t>7</a:t>
-            </a:r>
-            <a:r>
-              <a:rPr lang="ja-JP" altLang="en-US" sz="2800" dirty="0" smtClean="0"/>
-              <a:t>月</a:t>
-            </a:r>
-            <a:r>
-              <a:rPr lang="en-US" altLang="ja-JP" sz="2800" dirty="0" smtClean="0"/>
-              <a:t>17</a:t>
-            </a:r>
-            <a:r>
-              <a:rPr lang="ja-JP" altLang="en-US" sz="2800" dirty="0" smtClean="0"/>
-              <a:t>日</a:t>
-            </a:r>
-            <a:endParaRPr lang="en-US" altLang="ja-JP" sz="2800" dirty="0" smtClean="0"/>
-          </a:p>
-        </p:txBody>
-      </p:sp>
-      <p:sp>
-        <p:nvSpPr>
-          <p:cNvPr id="5" name="角丸四角形 4"/>
-          <p:cNvSpPr/>
-          <p:nvPr/>
-        </p:nvSpPr>
-        <p:spPr>
-          <a:xfrm>
-            <a:off x="1851453" y="4440194"/>
-            <a:ext cx="8454082" cy="1293341"/>
-          </a:xfrm>
-          <a:prstGeom prst="roundRect">
-            <a:avLst/>
-          </a:prstGeom>
-        </p:spPr>
-        <p:style>
-          <a:lnRef idx="2">
-            <a:schemeClr val="accent2"/>
-          </a:lnRef>
-          <a:fillRef idx="1">
-            <a:schemeClr val="lt1"/>
-          </a:fillRef>
-          <a:effectRef idx="0">
-            <a:schemeClr val="accent2"/>
-          </a:effectRef>
-          <a:fontRef idx="minor">
-            <a:schemeClr val="dk1"/>
-          </a:fontRef>
-        </p:style>
-        <p:txBody>
-          <a:bodyPr rtlCol="0" anchor="ctr"/>
-          <a:lstStyle/>
-          <a:p>
-            <a:pPr algn="ctr"/>
-            <a:r>
-              <a:rPr lang="en-US" altLang="ja-JP" sz="2800" dirty="0" smtClean="0"/>
-              <a:t>7</a:t>
-            </a:r>
-            <a:r>
-              <a:rPr lang="ja-JP" altLang="en-US" sz="2800" dirty="0" smtClean="0"/>
-              <a:t>月</a:t>
-            </a:r>
-            <a:r>
-              <a:rPr lang="en-US" altLang="ja-JP" sz="2800" dirty="0" smtClean="0"/>
-              <a:t>17</a:t>
-            </a:r>
-            <a:r>
-              <a:rPr lang="ja-JP" altLang="en-US" sz="2800" dirty="0" smtClean="0"/>
-              <a:t>日の納品に</a:t>
-            </a:r>
-            <a:r>
-              <a:rPr lang="ja-JP" altLang="ja-JP" sz="2800" dirty="0" smtClean="0"/>
-              <a:t>成功</a:t>
-            </a:r>
-            <a:r>
-              <a:rPr lang="ja-JP" altLang="ja-JP" sz="2800" dirty="0" smtClean="0"/>
-              <a:t>した</a:t>
-            </a:r>
-            <a:endParaRPr kumimoji="1" lang="ja-JP" altLang="en-US" sz="2800" dirty="0"/>
-          </a:p>
-        </p:txBody>
-      </p:sp>
-      <p:sp>
-        <p:nvSpPr>
-          <p:cNvPr id="6" name="下矢印 5"/>
-          <p:cNvSpPr/>
-          <p:nvPr/>
-        </p:nvSpPr>
-        <p:spPr>
-          <a:xfrm>
-            <a:off x="5567748" y="3146854"/>
-            <a:ext cx="1021492" cy="1194487"/>
-          </a:xfrm>
-          <a:prstGeom prst="downArrow">
-            <a:avLst/>
-          </a:prstGeom>
-        </p:spPr>
-        <p:style>
-          <a:lnRef idx="2">
-            <a:schemeClr val="accent1">
-              <a:shade val="50000"/>
-            </a:schemeClr>
-          </a:lnRef>
-          <a:fillRef idx="1">
-            <a:schemeClr val="accent1"/>
-          </a:fillRef>
-          <a:effectRef idx="0">
-            <a:schemeClr val="accent1"/>
-          </a:effectRef>
-          <a:fontRef idx="minor">
-            <a:schemeClr val="lt1"/>
-          </a:fontRef>
-        </p:style>
-        <p:txBody>
-          <a:bodyPr rtlCol="0" anchor="ctr"/>
-          <a:lstStyle/>
-          <a:p>
-            <a:pPr algn="ctr"/>
-            <a:endParaRPr kumimoji="1" lang="ja-JP" altLang="en-US" dirty="0"/>
-          </a:p>
-        </p:txBody>
-      </p:sp>
-    </p:spTree>
-    <p:extLst>
-      <p:ext uri="{BB962C8B-B14F-4D97-AF65-F5344CB8AC3E}">
-        <p14:creationId xmlns:p14="http://schemas.microsoft.com/office/powerpoint/2010/main" val="2053477789"/>
-      </p:ext>
-    </p:extLst>
-  </p:cSld>
-  <p:clrMapOvr>
-    <a:masterClrMapping/>
-  </p:clrMapOvr>
-</p:sld>
-</file>
-
-<file path=ppt/slides/slide4.xml><?xml version="1.0" encoding="utf-8"?>
-<p:sld xmlns:a="http://schemas.openxmlformats.org/drawingml/2006/main" xmlns:r="http://schemas.openxmlformats.org/officeDocument/2006/relationships" xmlns:p="http://schemas.openxmlformats.org/presentationml/2006/main">
-  <p:cSld>
-    <p:spTree>
-      <p:nvGrpSpPr>
-        <p:cNvPr id="1" name=""/>
-        <p:cNvGrpSpPr/>
-        <p:nvPr/>
-      </p:nvGrpSpPr>
-      <p:grpSpPr>
-        <a:xfrm>
-          <a:off x="0" y="0"/>
-          <a:ext cx="0" cy="0"/>
-          <a:chOff x="0" y="0"/>
-          <a:chExt cx="0" cy="0"/>
-        </a:xfrm>
-      </p:grpSpPr>
-      <p:sp>
-        <p:nvSpPr>
-          <p:cNvPr id="2" name="タイトル 1"/>
-          <p:cNvSpPr>
-            <a:spLocks noGrp="1"/>
-          </p:cNvSpPr>
-          <p:nvPr>
-            <p:ph type="title"/>
-          </p:nvPr>
-        </p:nvSpPr>
-        <p:spPr/>
-        <p:txBody>
-          <a:bodyPr>
-            <a:normAutofit/>
-          </a:bodyPr>
-          <a:lstStyle/>
-          <a:p>
-            <a:r>
-              <a:rPr lang="ja-JP" altLang="en-US" dirty="0">
-                <a:solidFill>
-                  <a:srgbClr val="00B0F0"/>
-                </a:solidFill>
-              </a:rPr>
-              <a:t>Ｑ</a:t>
-            </a:r>
-            <a:r>
-              <a:rPr lang="ja-JP" altLang="en-US" dirty="0"/>
-              <a:t>ＣＤ</a:t>
-            </a:r>
-            <a:r>
-              <a:rPr kumimoji="1" lang="ja-JP" altLang="en-US" dirty="0" smtClean="0"/>
-              <a:t>評価</a:t>
-            </a:r>
-            <a:r>
-              <a:rPr kumimoji="1" lang="en-US" altLang="ja-JP" dirty="0" smtClean="0"/>
-              <a:t/>
-            </a:r>
-            <a:br>
-              <a:rPr kumimoji="1" lang="en-US" altLang="ja-JP" dirty="0" smtClean="0"/>
-            </a:br>
-            <a:r>
-              <a:rPr lang="en-US" altLang="ja-JP" sz="3200" dirty="0">
-                <a:solidFill>
-                  <a:srgbClr val="00B0F0"/>
-                </a:solidFill>
-              </a:rPr>
-              <a:t>Quality </a:t>
-            </a:r>
-            <a:r>
-              <a:rPr lang="en-US" altLang="ja-JP" sz="3200" dirty="0" smtClean="0">
-                <a:solidFill>
-                  <a:srgbClr val="00B0F0"/>
-                </a:solidFill>
-              </a:rPr>
-              <a:t>assessment</a:t>
-            </a:r>
-            <a:endParaRPr kumimoji="1" lang="ja-JP" altLang="en-US" sz="3200" dirty="0"/>
-          </a:p>
-        </p:txBody>
-      </p:sp>
-      <p:sp>
-        <p:nvSpPr>
           <p:cNvPr id="7" name="角丸四角形 6"/>
           <p:cNvSpPr/>
           <p:nvPr/>
@@ -3811,7 +3606,19 @@
             <a:pPr algn="ctr"/>
             <a:r>
               <a:rPr lang="ja-JP" altLang="en-US" sz="2800" dirty="0" smtClean="0"/>
-              <a:t>ユーザビリティの面では品質が高いとはいえない</a:t>
+              <a:t>各種ドキュメント見直しと内部設計書は遅延</a:t>
+            </a:r>
+            <a:endParaRPr lang="en-US" altLang="ja-JP" sz="2800" dirty="0" smtClean="0"/>
+          </a:p>
+          <a:p>
+            <a:pPr algn="ctr"/>
+            <a:r>
+              <a:rPr lang="ja-JP" altLang="en-US" sz="2800" dirty="0"/>
+              <a:t>影響</a:t>
+            </a:r>
+            <a:r>
+              <a:rPr lang="ja-JP" altLang="en-US" sz="2800" dirty="0" smtClean="0"/>
+              <a:t>はプログラムにも</a:t>
             </a:r>
             <a:endParaRPr lang="en-US" altLang="ja-JP" sz="2800" dirty="0" smtClean="0"/>
           </a:p>
@@ -3825,7 +3632,7 @@
         </p:nvSpPr>
         <p:spPr>
           <a:xfrm>
-            <a:off x="1851727" y="4068887"/>
+            <a:off x="1851453" y="4424324"/>
             <a:ext cx="8454082" cy="1293341"/>
           </a:xfrm>
           <a:prstGeom prst="roundRect">
@@ -3852,50 +3659,26 @@
           <a:p>
             <a:pPr algn="ctr"/>
             <a:r>
+              <a:rPr lang="ja-JP" altLang="en-US" sz="2800" dirty="0" smtClean="0"/>
+              <a:t>直接の原因は</a:t>
+            </a:r>
+            <a:r>
+              <a:rPr lang="en-US" altLang="ja-JP" sz="2800" dirty="0" smtClean="0"/>
+              <a:t>PM</a:t>
+            </a:r>
+            <a:r>
+              <a:rPr lang="ja-JP" altLang="en-US" sz="2800" dirty="0" smtClean="0"/>
+              <a:t>の体調不良</a:t>
+            </a:r>
+            <a:endParaRPr lang="en-US" altLang="ja-JP" sz="2800" dirty="0" smtClean="0"/>
+          </a:p>
+          <a:p>
+            <a:pPr algn="ctr"/>
+            <a:r>
               <a:rPr kumimoji="1" lang="ja-JP" altLang="en-US" sz="2800" dirty="0" smtClean="0"/>
-              <a:t>本システムは高齢者の方が使用する可能性が高い</a:t>
+              <a:t>根本にあるのは不十分なリスク洗い出し</a:t>
             </a:r>
             <a:endParaRPr kumimoji="1" lang="ja-JP" altLang="en-US" sz="2800" dirty="0"/>
-          </a:p>
-        </p:txBody>
-      </p:sp>
-      <p:sp>
-        <p:nvSpPr>
-          <p:cNvPr id="15" name="下矢印 14"/>
-          <p:cNvSpPr/>
-          <p:nvPr/>
-        </p:nvSpPr>
-        <p:spPr>
-          <a:xfrm>
-            <a:off x="5555664" y="3129773"/>
-            <a:ext cx="1046206" cy="873211"/>
-          </a:xfrm>
-          <a:prstGeom prst="downArrow">
-            <a:avLst/>
-          </a:prstGeom>
-        </p:spPr>
-        <p:style>
-          <a:lnRef idx="2">
-            <a:schemeClr val="accent1">
-              <a:shade val="50000"/>
-            </a:schemeClr>
-          </a:lnRef>
-          <a:fillRef idx="1">
-            <a:schemeClr val="accent1"/>
-          </a:fillRef>
-          <a:effectRef idx="0">
-            <a:schemeClr val="accent1"/>
-          </a:effectRef>
-          <a:fontRef idx="minor">
-            <a:schemeClr val="lt1"/>
-          </a:fontRef>
-        </p:style>
-        <p:txBody>
-          <a:bodyPr rtlCol="0" anchor="ctr"/>
-          <a:lstStyle/>
-          <a:p>
-            <a:pPr algn="ctr"/>
-            <a:endParaRPr kumimoji="1" lang="ja-JP" altLang="en-US"/>
           </a:p>
         </p:txBody>
       </p:sp>
@@ -3988,6 +3771,149 @@
           </a:p>
         </p:txBody>
       </p:sp>
+      <p:sp>
+        <p:nvSpPr>
+          <p:cNvPr id="9" name="タイトル 1"/>
+          <p:cNvSpPr>
+            <a:spLocks noGrp="1"/>
+          </p:cNvSpPr>
+          <p:nvPr>
+            <p:ph type="title"/>
+          </p:nvPr>
+        </p:nvSpPr>
+        <p:spPr>
+          <a:xfrm>
+            <a:off x="838200" y="373363"/>
+            <a:ext cx="10515600" cy="1325563"/>
+          </a:xfrm>
+        </p:spPr>
+        <p:txBody>
+          <a:bodyPr>
+            <a:normAutofit/>
+          </a:bodyPr>
+          <a:lstStyle/>
+          <a:p>
+            <a:r>
+              <a:rPr lang="ja-JP" altLang="en-US" dirty="0"/>
+              <a:t>ＱＣ</a:t>
+            </a:r>
+            <a:r>
+              <a:rPr lang="ja-JP" altLang="en-US" dirty="0">
+                <a:solidFill>
+                  <a:srgbClr val="00B0F0"/>
+                </a:solidFill>
+              </a:rPr>
+              <a:t>Ｄ</a:t>
+            </a:r>
+            <a:r>
+              <a:rPr kumimoji="1" lang="ja-JP" altLang="en-US" dirty="0" smtClean="0"/>
+              <a:t>評価</a:t>
+            </a:r>
+            <a:r>
+              <a:rPr kumimoji="1" lang="en-US" altLang="ja-JP" dirty="0" smtClean="0"/>
+              <a:t/>
+            </a:r>
+            <a:br>
+              <a:rPr kumimoji="1" lang="en-US" altLang="ja-JP" dirty="0" smtClean="0"/>
+            </a:br>
+            <a:r>
+              <a:rPr lang="en-US" altLang="ja-JP" sz="3200" dirty="0">
+                <a:solidFill>
+                  <a:srgbClr val="00B0F0"/>
+                </a:solidFill>
+              </a:rPr>
+              <a:t>Delivery</a:t>
+            </a:r>
+            <a:r>
+              <a:rPr lang="en-US" altLang="ja-JP" sz="3200" dirty="0" smtClean="0">
+                <a:solidFill>
+                  <a:srgbClr val="00B0F0"/>
+                </a:solidFill>
+              </a:rPr>
+              <a:t> assessment</a:t>
+            </a:r>
+            <a:endParaRPr kumimoji="1" lang="ja-JP" altLang="en-US" sz="3200" dirty="0"/>
+          </a:p>
+        </p:txBody>
+      </p:sp>
+      <p:sp>
+        <p:nvSpPr>
+          <p:cNvPr id="10" name="下矢印 9"/>
+          <p:cNvSpPr/>
+          <p:nvPr/>
+        </p:nvSpPr>
+        <p:spPr>
+          <a:xfrm>
+            <a:off x="5567748" y="3146854"/>
+            <a:ext cx="1021492" cy="1194487"/>
+          </a:xfrm>
+          <a:prstGeom prst="downArrow">
+            <a:avLst/>
+          </a:prstGeom>
+        </p:spPr>
+        <p:style>
+          <a:lnRef idx="2">
+            <a:schemeClr val="accent1">
+              <a:shade val="50000"/>
+            </a:schemeClr>
+          </a:lnRef>
+          <a:fillRef idx="1">
+            <a:schemeClr val="accent1"/>
+          </a:fillRef>
+          <a:effectRef idx="0">
+            <a:schemeClr val="accent1"/>
+          </a:effectRef>
+          <a:fontRef idx="minor">
+            <a:schemeClr val="lt1"/>
+          </a:fontRef>
+        </p:style>
+        <p:txBody>
+          <a:bodyPr rtlCol="0" anchor="ctr"/>
+          <a:lstStyle/>
+          <a:p>
+            <a:pPr algn="ctr"/>
+            <a:endParaRPr kumimoji="1" lang="ja-JP" altLang="en-US"/>
+          </a:p>
+        </p:txBody>
+      </p:sp>
+      <p:sp>
+        <p:nvSpPr>
+          <p:cNvPr id="4" name="テキスト ボックス 3"/>
+          <p:cNvSpPr txBox="1"/>
+          <p:nvPr/>
+        </p:nvSpPr>
+        <p:spPr>
+          <a:xfrm>
+            <a:off x="5769847" y="3768465"/>
+            <a:ext cx="741406" cy="369332"/>
+          </a:xfrm>
+          <a:prstGeom prst="rect">
+            <a:avLst/>
+          </a:prstGeom>
+          <a:noFill/>
+        </p:spPr>
+        <p:txBody>
+          <a:bodyPr wrap="square" rtlCol="0">
+            <a:spAutoFit/>
+          </a:bodyPr>
+          <a:lstStyle/>
+          <a:p>
+            <a:r>
+              <a:rPr kumimoji="1" lang="ja-JP" altLang="en-US" dirty="0" smtClean="0">
+                <a:solidFill>
+                  <a:schemeClr val="bg1"/>
+                </a:solidFill>
+              </a:rPr>
+              <a:t>なぜ</a:t>
+            </a:r>
+            <a:endParaRPr kumimoji="1" lang="ja-JP" altLang="en-US" dirty="0">
+              <a:solidFill>
+                <a:schemeClr val="bg1"/>
+              </a:solidFill>
+            </a:endParaRPr>
+          </a:p>
+        </p:txBody>
+      </p:sp>
     </p:spTree>
     <p:extLst>
       <p:ext uri="{BB962C8B-B14F-4D97-AF65-F5344CB8AC3E}">
@@ -4001,7 +3927,7 @@
 </p:sld>
 </file>
 
-<file path=ppt/slides/slide5.xml><?xml version="1.0" encoding="utf-8"?>
+<file path=ppt/slides/slide3.xml><?xml version="1.0" encoding="utf-8"?>
 <p:sld xmlns:a="http://schemas.openxmlformats.org/drawingml/2006/main" xmlns:r="http://schemas.openxmlformats.org/officeDocument/2006/relationships" xmlns:p="http://schemas.openxmlformats.org/presentationml/2006/main">
   <p:cSld>
     <p:spTree>
@@ -4018,66 +3944,6 @@
           <a:chExt cx="0" cy="0"/>
         </a:xfrm>
       </p:grpSpPr>
-      <p:sp>
-        <p:nvSpPr>
-          <p:cNvPr id="2" name="タイトル 1"/>
-          <p:cNvSpPr>
-            <a:spLocks noGrp="1"/>
-          </p:cNvSpPr>
-          <p:nvPr>
-            <p:ph type="title"/>
-          </p:nvPr>
-        </p:nvSpPr>
-        <p:spPr/>
-        <p:txBody>
-          <a:bodyPr>
-            <a:normAutofit/>
-          </a:bodyPr>
-          <a:lstStyle/>
-          <a:p>
-            <a:r>
-              <a:rPr lang="ja-JP" altLang="en-US" dirty="0">
-                <a:solidFill>
-                  <a:srgbClr val="00B0F0"/>
-                </a:solidFill>
-              </a:rPr>
-              <a:t>Ｑ</a:t>
-            </a:r>
-            <a:r>
-              <a:rPr lang="ja-JP" altLang="en-US" dirty="0"/>
-              <a:t>ＣＤ</a:t>
-            </a:r>
-            <a:r>
-              <a:rPr kumimoji="1" lang="ja-JP" altLang="en-US" dirty="0" smtClean="0"/>
-              <a:t>評価</a:t>
-            </a:r>
-            <a:r>
-              <a:rPr kumimoji="1" lang="en-US" altLang="ja-JP" dirty="0" smtClean="0"/>
-              <a:t/>
-            </a:r>
-            <a:br>
-              <a:rPr kumimoji="1" lang="en-US" altLang="ja-JP" dirty="0" smtClean="0"/>
-            </a:br>
-            <a:r>
-              <a:rPr lang="en-US" altLang="ja-JP" sz="3200" dirty="0">
-                <a:solidFill>
-                  <a:srgbClr val="00B0F0"/>
-                </a:solidFill>
-              </a:rPr>
-              <a:t>Quality </a:t>
-            </a:r>
-            <a:r>
-              <a:rPr lang="en-US" altLang="ja-JP" sz="3200" dirty="0" smtClean="0">
-                <a:solidFill>
-                  <a:srgbClr val="00B0F0"/>
-                </a:solidFill>
-              </a:rPr>
-              <a:t>assessment</a:t>
-            </a:r>
-            <a:endParaRPr kumimoji="1" lang="ja-JP" altLang="en-US" sz="3200" dirty="0"/>
-          </a:p>
-        </p:txBody>
-      </p:sp>
       <p:sp>
         <p:nvSpPr>
           <p:cNvPr id="6" name="角丸四角形 5"/>
@@ -4114,21 +3980,9 @@
             <a:pPr algn="ctr"/>
             <a:r>
               <a:rPr lang="ja-JP" altLang="en-US" sz="2800" dirty="0" smtClean="0"/>
-              <a:t>アクセシビリティ向上を図る</a:t>
-            </a:r>
-            <a:endParaRPr lang="en-US" altLang="ja-JP" sz="2800" dirty="0" smtClean="0"/>
-          </a:p>
-          <a:p>
-            <a:pPr algn="ctr"/>
-            <a:r>
-              <a:rPr lang="en-US" altLang="ja-JP" sz="2000" dirty="0" smtClean="0"/>
-              <a:t>※</a:t>
-            </a:r>
-            <a:r>
-              <a:rPr lang="ja-JP" altLang="en-US" sz="2000" dirty="0" smtClean="0"/>
-              <a:t>アクセシビリティ：ハンディを持つ人にとってどの程度利用しやすいか</a:t>
-            </a:r>
-            <a:endParaRPr lang="en-US" altLang="ja-JP" sz="2000" dirty="0"/>
+              <a:t>より正確なリスク洗い出しを行う</a:t>
+            </a:r>
+            <a:endParaRPr lang="en-US" altLang="ja-JP" sz="2800" dirty="0"/>
           </a:p>
         </p:txBody>
       </p:sp>
@@ -4214,29 +4068,18 @@
           <a:p>
             <a:pPr algn="ctr"/>
             <a:r>
-              <a:rPr kumimoji="1" lang="en-US" altLang="ja-JP" sz="2800" dirty="0" smtClean="0"/>
-              <a:t>WCAG</a:t>
-            </a:r>
-            <a:r>
-              <a:rPr kumimoji="1" lang="ja-JP" altLang="en-US" sz="2800" dirty="0" smtClean="0"/>
-              <a:t>に則ったアクセシビリティチェックリストの使用</a:t>
-            </a:r>
-            <a:endParaRPr kumimoji="1" lang="en-US" altLang="ja-JP" sz="2800" dirty="0" smtClean="0"/>
+              <a:rPr lang="ja-JP" altLang="en-US" sz="2800" dirty="0" smtClean="0"/>
+              <a:t>９つの知識エリアをフレームワークとした</a:t>
+            </a:r>
+            <a:endParaRPr lang="en-US" altLang="ja-JP" sz="2800" dirty="0" smtClean="0"/>
           </a:p>
           <a:p>
             <a:pPr algn="ctr"/>
             <a:r>
-              <a:rPr lang="en-US" altLang="ja-JP" sz="2000" dirty="0" smtClean="0"/>
-              <a:t>※WCAG</a:t>
-            </a:r>
-            <a:r>
-              <a:rPr lang="ja-JP" altLang="en-US" sz="2000" dirty="0" smtClean="0"/>
-              <a:t>：</a:t>
-            </a:r>
-            <a:r>
-              <a:rPr lang="en-US" altLang="ja-JP" sz="2000" dirty="0"/>
-              <a:t>Web Content Accessibility Guidelines</a:t>
-            </a:r>
+              <a:rPr lang="ja-JP" altLang="en-US" sz="2800" dirty="0" smtClean="0"/>
+              <a:t>影響要因別リスクマトリックスを作成</a:t>
+            </a:r>
+            <a:endParaRPr lang="en-US" altLang="ja-JP" sz="2800" dirty="0"/>
           </a:p>
         </p:txBody>
       </p:sp>
@@ -4280,10 +4123,459 @@
           </a:p>
         </p:txBody>
       </p:sp>
+      <p:sp>
+        <p:nvSpPr>
+          <p:cNvPr id="8" name="タイトル 1"/>
+          <p:cNvSpPr>
+            <a:spLocks noGrp="1"/>
+          </p:cNvSpPr>
+          <p:nvPr>
+            <p:ph type="title"/>
+          </p:nvPr>
+        </p:nvSpPr>
+        <p:spPr>
+          <a:xfrm>
+            <a:off x="838200" y="373363"/>
+            <a:ext cx="10515600" cy="1325563"/>
+          </a:xfrm>
+        </p:spPr>
+        <p:txBody>
+          <a:bodyPr>
+            <a:normAutofit/>
+          </a:bodyPr>
+          <a:lstStyle/>
+          <a:p>
+            <a:r>
+              <a:rPr lang="ja-JP" altLang="en-US" dirty="0"/>
+              <a:t>ＱＣ</a:t>
+            </a:r>
+            <a:r>
+              <a:rPr lang="ja-JP" altLang="en-US" dirty="0">
+                <a:solidFill>
+                  <a:srgbClr val="00B0F0"/>
+                </a:solidFill>
+              </a:rPr>
+              <a:t>Ｄ</a:t>
+            </a:r>
+            <a:r>
+              <a:rPr kumimoji="1" lang="ja-JP" altLang="en-US" dirty="0" smtClean="0"/>
+              <a:t>評価</a:t>
+            </a:r>
+            <a:r>
+              <a:rPr kumimoji="1" lang="en-US" altLang="ja-JP" dirty="0" smtClean="0"/>
+              <a:t/>
+            </a:r>
+            <a:br>
+              <a:rPr kumimoji="1" lang="en-US" altLang="ja-JP" dirty="0" smtClean="0"/>
+            </a:br>
+            <a:r>
+              <a:rPr lang="en-US" altLang="ja-JP" sz="3200" dirty="0">
+                <a:solidFill>
+                  <a:srgbClr val="00B0F0"/>
+                </a:solidFill>
+              </a:rPr>
+              <a:t>Delivery</a:t>
+            </a:r>
+            <a:r>
+              <a:rPr lang="en-US" altLang="ja-JP" sz="3200" dirty="0" smtClean="0">
+                <a:solidFill>
+                  <a:srgbClr val="00B0F0"/>
+                </a:solidFill>
+              </a:rPr>
+              <a:t> assessment</a:t>
+            </a:r>
+            <a:endParaRPr kumimoji="1" lang="ja-JP" altLang="en-US" sz="3200" dirty="0"/>
+          </a:p>
+        </p:txBody>
+      </p:sp>
+      <p:sp>
+        <p:nvSpPr>
+          <p:cNvPr id="9" name="テキスト ボックス 8"/>
+          <p:cNvSpPr txBox="1"/>
+          <p:nvPr/>
+        </p:nvSpPr>
+        <p:spPr>
+          <a:xfrm>
+            <a:off x="5769847" y="3768465"/>
+            <a:ext cx="741406" cy="369332"/>
+          </a:xfrm>
+          <a:prstGeom prst="rect">
+            <a:avLst/>
+          </a:prstGeom>
+          <a:noFill/>
+        </p:spPr>
+        <p:txBody>
+          <a:bodyPr wrap="square" rtlCol="0">
+            <a:spAutoFit/>
+          </a:bodyPr>
+          <a:lstStyle/>
+          <a:p>
+            <a:r>
+              <a:rPr lang="ja-JP" altLang="en-US" dirty="0">
+                <a:solidFill>
+                  <a:schemeClr val="bg1"/>
+                </a:solidFill>
+              </a:rPr>
+              <a:t>方法</a:t>
+            </a:r>
+            <a:endParaRPr kumimoji="1" lang="ja-JP" altLang="en-US" dirty="0">
+              <a:solidFill>
+                <a:schemeClr val="bg1"/>
+              </a:solidFill>
+            </a:endParaRPr>
+          </a:p>
+        </p:txBody>
+      </p:sp>
     </p:spTree>
     <p:extLst>
       <p:ext uri="{BB962C8B-B14F-4D97-AF65-F5344CB8AC3E}">
         <p14:creationId xmlns:p14="http://schemas.microsoft.com/office/powerpoint/2010/main" val="2924618613"/>
+      </p:ext>
+    </p:extLst>
+  </p:cSld>
+  <p:clrMapOvr>
+    <a:masterClrMapping/>
+  </p:clrMapOvr>
+</p:sld>
+</file>
+
+<file path=ppt/slides/slide4.xml><?xml version="1.0" encoding="utf-8"?>
+<p:sld xmlns:a="http://schemas.openxmlformats.org/drawingml/2006/main" xmlns:r="http://schemas.openxmlformats.org/officeDocument/2006/relationships" xmlns:p="http://schemas.openxmlformats.org/presentationml/2006/main">
+  <p:cSld>
+    <p:spTree>
+      <p:nvGrpSpPr>
+        <p:cNvPr id="1" name=""/>
+        <p:cNvGrpSpPr/>
+        <p:nvPr/>
+      </p:nvGrpSpPr>
+      <p:grpSpPr>
+        <a:xfrm>
+          <a:off x="0" y="0"/>
+          <a:ext cx="0" cy="0"/>
+          <a:chOff x="0" y="0"/>
+          <a:chExt cx="0" cy="0"/>
+        </a:xfrm>
+      </p:grpSpPr>
+      <p:sp>
+        <p:nvSpPr>
+          <p:cNvPr id="7" name="角丸四角形 6"/>
+          <p:cNvSpPr/>
+          <p:nvPr/>
+        </p:nvSpPr>
+        <p:spPr>
+          <a:xfrm>
+            <a:off x="1851727" y="1770530"/>
+            <a:ext cx="8454081" cy="1293341"/>
+          </a:xfrm>
+          <a:prstGeom prst="roundRect">
+            <a:avLst/>
+          </a:prstGeom>
+        </p:spPr>
+        <p:style>
+          <a:lnRef idx="2">
+            <a:schemeClr val="accent1"/>
+          </a:lnRef>
+          <a:fillRef idx="1">
+            <a:schemeClr val="lt1"/>
+          </a:fillRef>
+          <a:effectRef idx="0">
+            <a:schemeClr val="accent1"/>
+          </a:effectRef>
+          <a:fontRef idx="minor">
+            <a:schemeClr val="dk1"/>
+          </a:fontRef>
+        </p:style>
+        <p:txBody>
+          <a:bodyPr rtlCol="0" anchor="ctr"/>
+          <a:lstStyle/>
+          <a:p>
+            <a:pPr algn="ctr"/>
+            <a:r>
+              <a:rPr lang="ja-JP" altLang="en-US" sz="2800" dirty="0" smtClean="0"/>
+              <a:t>最終的に納期に間に合った理由はプログラミングが</a:t>
+            </a:r>
+            <a:endParaRPr lang="en-US" altLang="ja-JP" sz="2800" dirty="0" smtClean="0"/>
+          </a:p>
+          <a:p>
+            <a:pPr algn="ctr"/>
+            <a:r>
+              <a:rPr lang="ja-JP" altLang="en-US" sz="2800" dirty="0" smtClean="0"/>
+              <a:t>想定より早く終わったため</a:t>
+            </a:r>
+            <a:endParaRPr lang="en-US" altLang="ja-JP" sz="2800" dirty="0" smtClean="0"/>
+          </a:p>
+        </p:txBody>
+      </p:sp>
+      <p:sp>
+        <p:nvSpPr>
+          <p:cNvPr id="14" name="角丸四角形 13"/>
+          <p:cNvSpPr/>
+          <p:nvPr/>
+        </p:nvSpPr>
+        <p:spPr>
+          <a:xfrm>
+            <a:off x="1851453" y="4424324"/>
+            <a:ext cx="8454082" cy="1293341"/>
+          </a:xfrm>
+          <a:prstGeom prst="roundRect">
+            <a:avLst/>
+          </a:prstGeom>
+        </p:spPr>
+        <p:style>
+          <a:lnRef idx="2">
+            <a:schemeClr val="accent2"/>
+          </a:lnRef>
+          <a:fillRef idx="1">
+            <a:schemeClr val="lt1"/>
+          </a:fillRef>
+          <a:effectRef idx="0">
+            <a:schemeClr val="accent2"/>
+          </a:effectRef>
+          <a:fontRef idx="minor">
+            <a:schemeClr val="dk1"/>
+          </a:fontRef>
+        </p:style>
+        <p:txBody>
+          <a:bodyPr rtlCol="0" anchor="ctr"/>
+          <a:lstStyle/>
+          <a:p>
+            <a:pPr algn="ctr"/>
+            <a:r>
+              <a:rPr kumimoji="1" lang="ja-JP" altLang="en-US" sz="2800" dirty="0" smtClean="0"/>
+              <a:t>原因はプログラマの技術が想定より高かったことと</a:t>
+            </a:r>
+            <a:endParaRPr kumimoji="1" lang="en-US" altLang="ja-JP" sz="2800" dirty="0" smtClean="0"/>
+          </a:p>
+          <a:p>
+            <a:pPr algn="ctr"/>
+            <a:r>
+              <a:rPr kumimoji="1" lang="ja-JP" altLang="en-US" sz="2800" dirty="0" smtClean="0"/>
+              <a:t>良質な参考書物の存在</a:t>
+            </a:r>
+            <a:endParaRPr kumimoji="1" lang="ja-JP" altLang="en-US" sz="2800" dirty="0"/>
+          </a:p>
+        </p:txBody>
+      </p:sp>
+      <p:sp>
+        <p:nvSpPr>
+          <p:cNvPr id="8" name="円形吹き出し 7"/>
+          <p:cNvSpPr/>
+          <p:nvPr/>
+        </p:nvSpPr>
+        <p:spPr>
+          <a:xfrm>
+            <a:off x="164757" y="1690688"/>
+            <a:ext cx="1521940" cy="1161535"/>
+          </a:xfrm>
+          <a:prstGeom prst="wedgeEllipseCallout">
+            <a:avLst>
+              <a:gd name="adj1" fmla="val 55766"/>
+              <a:gd name="adj2" fmla="val 40514"/>
+            </a:avLst>
+          </a:prstGeom>
+        </p:spPr>
+        <p:style>
+          <a:lnRef idx="2">
+            <a:schemeClr val="accent2">
+              <a:shade val="50000"/>
+            </a:schemeClr>
+          </a:lnRef>
+          <a:fillRef idx="1">
+            <a:schemeClr val="accent2"/>
+          </a:fillRef>
+          <a:effectRef idx="0">
+            <a:schemeClr val="accent2"/>
+          </a:effectRef>
+          <a:fontRef idx="minor">
+            <a:schemeClr val="lt1"/>
+          </a:fontRef>
+        </p:style>
+        <p:txBody>
+          <a:bodyPr rtlCol="0" anchor="ctr"/>
+          <a:lstStyle/>
+          <a:p>
+            <a:pPr algn="ctr"/>
+            <a:r>
+              <a:rPr lang="ja-JP" altLang="en-US" sz="2400" dirty="0" smtClean="0"/>
+              <a:t>な</a:t>
+            </a:r>
+            <a:r>
+              <a:rPr lang="ja-JP" altLang="en-US" sz="2400" dirty="0"/>
+              <a:t>お</a:t>
+            </a:r>
+            <a:endParaRPr kumimoji="1" lang="ja-JP" altLang="en-US" sz="2400" dirty="0"/>
+          </a:p>
+        </p:txBody>
+      </p:sp>
+      <p:sp>
+        <p:nvSpPr>
+          <p:cNvPr id="9" name="タイトル 1"/>
+          <p:cNvSpPr>
+            <a:spLocks noGrp="1"/>
+          </p:cNvSpPr>
+          <p:nvPr>
+            <p:ph type="title"/>
+          </p:nvPr>
+        </p:nvSpPr>
+        <p:spPr>
+          <a:xfrm>
+            <a:off x="838200" y="373363"/>
+            <a:ext cx="10515600" cy="1325563"/>
+          </a:xfrm>
+        </p:spPr>
+        <p:txBody>
+          <a:bodyPr>
+            <a:normAutofit/>
+          </a:bodyPr>
+          <a:lstStyle/>
+          <a:p>
+            <a:r>
+              <a:rPr lang="ja-JP" altLang="en-US" dirty="0"/>
+              <a:t>ＱＣ</a:t>
+            </a:r>
+            <a:r>
+              <a:rPr lang="ja-JP" altLang="en-US" dirty="0">
+                <a:solidFill>
+                  <a:srgbClr val="00B0F0"/>
+                </a:solidFill>
+              </a:rPr>
+              <a:t>Ｄ</a:t>
+            </a:r>
+            <a:r>
+              <a:rPr kumimoji="1" lang="ja-JP" altLang="en-US" dirty="0" smtClean="0"/>
+              <a:t>評価</a:t>
+            </a:r>
+            <a:r>
+              <a:rPr kumimoji="1" lang="en-US" altLang="ja-JP" dirty="0" smtClean="0"/>
+              <a:t/>
+            </a:r>
+            <a:br>
+              <a:rPr kumimoji="1" lang="en-US" altLang="ja-JP" dirty="0" smtClean="0"/>
+            </a:br>
+            <a:r>
+              <a:rPr lang="en-US" altLang="ja-JP" sz="3200" dirty="0">
+                <a:solidFill>
+                  <a:srgbClr val="00B0F0"/>
+                </a:solidFill>
+              </a:rPr>
+              <a:t>Delivery</a:t>
+            </a:r>
+            <a:r>
+              <a:rPr lang="en-US" altLang="ja-JP" sz="3200" dirty="0" smtClean="0">
+                <a:solidFill>
+                  <a:srgbClr val="00B0F0"/>
+                </a:solidFill>
+              </a:rPr>
+              <a:t> assessment</a:t>
+            </a:r>
+            <a:endParaRPr kumimoji="1" lang="ja-JP" altLang="en-US" sz="3200" dirty="0"/>
+          </a:p>
+        </p:txBody>
+      </p:sp>
+      <p:sp>
+        <p:nvSpPr>
+          <p:cNvPr id="10" name="下矢印 9"/>
+          <p:cNvSpPr/>
+          <p:nvPr/>
+        </p:nvSpPr>
+        <p:spPr>
+          <a:xfrm>
+            <a:off x="5567748" y="3146854"/>
+            <a:ext cx="1021492" cy="1194487"/>
+          </a:xfrm>
+          <a:prstGeom prst="downArrow">
+            <a:avLst/>
+          </a:prstGeom>
+        </p:spPr>
+        <p:style>
+          <a:lnRef idx="2">
+            <a:schemeClr val="accent1">
+              <a:shade val="50000"/>
+            </a:schemeClr>
+          </a:lnRef>
+          <a:fillRef idx="1">
+            <a:schemeClr val="accent1"/>
+          </a:fillRef>
+          <a:effectRef idx="0">
+            <a:schemeClr val="accent1"/>
+          </a:effectRef>
+          <a:fontRef idx="minor">
+            <a:schemeClr val="lt1"/>
+          </a:fontRef>
+        </p:style>
+        <p:txBody>
+          <a:bodyPr rtlCol="0" anchor="ctr"/>
+          <a:lstStyle/>
+          <a:p>
+            <a:pPr algn="ctr"/>
+            <a:endParaRPr kumimoji="1" lang="ja-JP" altLang="en-US"/>
+          </a:p>
+        </p:txBody>
+      </p:sp>
+    </p:spTree>
+    <p:extLst>
+      <p:ext uri="{BB962C8B-B14F-4D97-AF65-F5344CB8AC3E}">
+        <p14:creationId xmlns:p14="http://schemas.microsoft.com/office/powerpoint/2010/main" val="750623380"/>
+      </p:ext>
+    </p:extLst>
+  </p:cSld>
+  <p:clrMapOvr>
+    <a:masterClrMapping/>
+  </p:clrMapOvr>
+</p:sld>
+</file>
+
+<file path=ppt/slides/slide5.xml><?xml version="1.0" encoding="utf-8"?>
+<p:sld xmlns:a="http://schemas.openxmlformats.org/drawingml/2006/main" xmlns:r="http://schemas.openxmlformats.org/officeDocument/2006/relationships" xmlns:p="http://schemas.openxmlformats.org/presentationml/2006/main">
+  <p:cSld>
+    <p:spTree>
+      <p:nvGrpSpPr>
+        <p:cNvPr id="1" name=""/>
+        <p:cNvGrpSpPr/>
+        <p:nvPr/>
+      </p:nvGrpSpPr>
+      <p:grpSpPr>
+        <a:xfrm>
+          <a:off x="0" y="0"/>
+          <a:ext cx="0" cy="0"/>
+          <a:chOff x="0" y="0"/>
+          <a:chExt cx="0" cy="0"/>
+        </a:xfrm>
+      </p:grpSpPr>
+      <p:pic>
+        <p:nvPicPr>
+          <p:cNvPr id="4" name="図 3"/>
+          <p:cNvPicPr>
+            <a:picLocks noChangeAspect="1"/>
+          </p:cNvPicPr>
+          <p:nvPr/>
+        </p:nvPicPr>
+        <p:blipFill>
+          <a:blip r:embed="rId2">
+            <a:extLst>
+              <a:ext uri="{28A0092B-C50C-407E-A947-70E740481C1C}">
+                <a14:useLocalDpi xmlns:a14="http://schemas.microsoft.com/office/drawing/2010/main" val="0"/>
+              </a:ext>
+            </a:extLst>
+          </a:blip>
+          <a:stretch>
+            <a:fillRect/>
+          </a:stretch>
+        </p:blipFill>
+        <p:spPr>
+          <a:xfrm>
+            <a:off x="3425550" y="0"/>
+            <a:ext cx="5340900" cy="6858000"/>
+          </a:xfrm>
+          <a:prstGeom prst="rect">
+            <a:avLst/>
+          </a:prstGeom>
+        </p:spPr>
+      </p:pic>
+    </p:spTree>
+    <p:extLst>
+      <p:ext uri="{BB962C8B-B14F-4D97-AF65-F5344CB8AC3E}">
+        <p14:creationId xmlns:p14="http://schemas.microsoft.com/office/powerpoint/2010/main" val="1524657673"/>
       </p:ext>
     </p:extLst>
   </p:cSld>
